--- a/assignments/Presentation1.pptx
+++ b/assignments/Presentation1.pptx
@@ -4128,6 +4128,67 @@
           </a:p>
         </p:txBody>
       </p:sp>
+      <p:pic>
+        <p:nvPicPr>
+          <p:cNvPr id="3076" name="Picture 4" descr="a simple logo of a brain made out of blue wires, white background">
+            <a:extLst>
+              <a:ext uri="{FF2B5EF4-FFF2-40B4-BE49-F238E27FC236}">
+                <a16:creationId xmlns:a16="http://schemas.microsoft.com/office/drawing/2014/main" id="{6D3E5C5E-EB55-CAF0-441C-86A2217A424B}"/>
+              </a:ext>
+            </a:extLst>
+          </p:cNvPr>
+          <p:cNvPicPr>
+            <a:picLocks noChangeAspect="1" noChangeArrowheads="1"/>
+          </p:cNvPicPr>
+          <p:nvPr/>
+        </p:nvPicPr>
+        <p:blipFill>
+          <a:blip r:embed="rId2">
+            <a:extLst>
+              <a:ext uri="{BEBA8EAE-BF5A-486C-A8C5-ECC9F3942E4B}">
+                <a14:imgProps xmlns:a14="http://schemas.microsoft.com/office/drawing/2010/main">
+                  <a14:imgLayer r:embed="rId3">
+                    <a14:imgEffect>
+                      <a14:backgroundRemoval t="10000" b="90000" l="10000" r="90000">
+                        <a14:foregroundMark x1="52441" y1="81445" x2="52441" y2="81445"/>
+                        <a14:foregroundMark x1="57910" y1="81152" x2="57910" y2="81152"/>
+                        <a14:foregroundMark x1="58008" y1="80273" x2="58008" y2="80273"/>
+                        <a14:foregroundMark x1="58008" y1="81641" x2="58008" y2="81641"/>
+                      </a14:backgroundRemoval>
+                    </a14:imgEffect>
+                  </a14:imgLayer>
+                </a14:imgProps>
+              </a:ext>
+              <a:ext uri="{28A0092B-C50C-407E-A947-70E740481C1C}">
+                <a14:useLocalDpi xmlns:a14="http://schemas.microsoft.com/office/drawing/2010/main" val="0"/>
+              </a:ext>
+            </a:extLst>
+          </a:blip>
+          <a:srcRect/>
+          <a:stretch>
+            <a:fillRect/>
+          </a:stretch>
+        </p:blipFill>
+        <p:spPr bwMode="auto">
+          <a:xfrm>
+            <a:off x="4211515" y="3171091"/>
+            <a:ext cx="3768969" cy="3768969"/>
+          </a:xfrm>
+          <a:prstGeom prst="rect">
+            <a:avLst/>
+          </a:prstGeom>
+          <a:noFill/>
+          <a:extLst>
+            <a:ext uri="{909E8E84-426E-40DD-AFC4-6F175D3DCCD1}">
+              <a14:hiddenFill xmlns:a14="http://schemas.microsoft.com/office/drawing/2010/main">
+                <a:solidFill>
+                  <a:srgbClr val="FFFFFF"/>
+                </a:solidFill>
+              </a14:hiddenFill>
+            </a:ext>
+          </a:extLst>
+        </p:spPr>
+      </p:pic>
     </p:spTree>
     <p:extLst>
       <p:ext uri="{BB962C8B-B14F-4D97-AF65-F5344CB8AC3E}">
@@ -6802,6 +6863,31 @@
               </a:p>
               <a:p>
                 <a:endParaRPr lang="en-US" dirty="0"/>
+              </a:p>
+              <a:p>
+                <a:endParaRPr lang="en-US" dirty="0"/>
+              </a:p>
+              <a:p>
+                <a:r>
+                  <a:rPr lang="en-US" dirty="0"/>
+                  <a:t>More Info: https://</a:t>
+                </a:r>
+                <a:r>
+                  <a:rPr lang="en-US" dirty="0" err="1"/>
+                  <a:t>rail.eecs.berkeley.edu</a:t>
+                </a:r>
+                <a:r>
+                  <a:rPr lang="en-US" dirty="0"/>
+                  <a:t>/</a:t>
+                </a:r>
+                <a:r>
+                  <a:rPr lang="en-US" dirty="0" err="1"/>
+                  <a:t>deeprlcourse</a:t>
+                </a:r>
+                <a:r>
+                  <a:rPr lang="en-US" dirty="0"/>
+                  <a:t>/</a:t>
+                </a:r>
               </a:p>
             </p:txBody>
           </p:sp>
